--- a/RTR15호기개발 고려사항.pptx
+++ b/RTR15호기개발 고려사항.pptx
@@ -37,6 +37,7 @@
     <p:sldId id="274" r:id="rId31"/>
     <p:sldId id="275" r:id="rId32"/>
     <p:sldId id="276" r:id="rId33"/>
+    <p:sldId id="289" r:id="rId34"/>
   </p:sldIdLst>
   <p:sldSz cx="12192000" cy="6858000"/>
   <p:notesSz cx="6858000" cy="9144000"/>
@@ -274,7 +275,7 @@
           <a:p>
             <a:fld id="{B039A892-1411-41F3-BAFD-7FAB748E604C}" type="datetimeFigureOut">
               <a:rPr lang="ko-KR" altLang="en-US" smtClean="0"/>
-              <a:t>2025-05-02</a:t>
+              <a:t>2025-05-16</a:t>
             </a:fld>
             <a:endParaRPr lang="ko-KR" altLang="en-US"/>
           </a:p>
@@ -444,7 +445,7 @@
           <a:p>
             <a:fld id="{B039A892-1411-41F3-BAFD-7FAB748E604C}" type="datetimeFigureOut">
               <a:rPr lang="ko-KR" altLang="en-US" smtClean="0"/>
-              <a:t>2025-05-02</a:t>
+              <a:t>2025-05-16</a:t>
             </a:fld>
             <a:endParaRPr lang="ko-KR" altLang="en-US"/>
           </a:p>
@@ -624,7 +625,7 @@
           <a:p>
             <a:fld id="{B039A892-1411-41F3-BAFD-7FAB748E604C}" type="datetimeFigureOut">
               <a:rPr lang="ko-KR" altLang="en-US" smtClean="0"/>
-              <a:t>2025-05-02</a:t>
+              <a:t>2025-05-16</a:t>
             </a:fld>
             <a:endParaRPr lang="ko-KR" altLang="en-US"/>
           </a:p>
@@ -794,7 +795,7 @@
           <a:p>
             <a:fld id="{B039A892-1411-41F3-BAFD-7FAB748E604C}" type="datetimeFigureOut">
               <a:rPr lang="ko-KR" altLang="en-US" smtClean="0"/>
-              <a:t>2025-05-02</a:t>
+              <a:t>2025-05-16</a:t>
             </a:fld>
             <a:endParaRPr lang="ko-KR" altLang="en-US"/>
           </a:p>
@@ -1040,7 +1041,7 @@
           <a:p>
             <a:fld id="{B039A892-1411-41F3-BAFD-7FAB748E604C}" type="datetimeFigureOut">
               <a:rPr lang="ko-KR" altLang="en-US" smtClean="0"/>
-              <a:t>2025-05-02</a:t>
+              <a:t>2025-05-16</a:t>
             </a:fld>
             <a:endParaRPr lang="ko-KR" altLang="en-US"/>
           </a:p>
@@ -1272,7 +1273,7 @@
           <a:p>
             <a:fld id="{B039A892-1411-41F3-BAFD-7FAB748E604C}" type="datetimeFigureOut">
               <a:rPr lang="ko-KR" altLang="en-US" smtClean="0"/>
-              <a:t>2025-05-02</a:t>
+              <a:t>2025-05-16</a:t>
             </a:fld>
             <a:endParaRPr lang="ko-KR" altLang="en-US"/>
           </a:p>
@@ -1639,7 +1640,7 @@
           <a:p>
             <a:fld id="{B039A892-1411-41F3-BAFD-7FAB748E604C}" type="datetimeFigureOut">
               <a:rPr lang="ko-KR" altLang="en-US" smtClean="0"/>
-              <a:t>2025-05-02</a:t>
+              <a:t>2025-05-16</a:t>
             </a:fld>
             <a:endParaRPr lang="ko-KR" altLang="en-US"/>
           </a:p>
@@ -1757,7 +1758,7 @@
           <a:p>
             <a:fld id="{B039A892-1411-41F3-BAFD-7FAB748E604C}" type="datetimeFigureOut">
               <a:rPr lang="ko-KR" altLang="en-US" smtClean="0"/>
-              <a:t>2025-05-02</a:t>
+              <a:t>2025-05-16</a:t>
             </a:fld>
             <a:endParaRPr lang="ko-KR" altLang="en-US"/>
           </a:p>
@@ -1852,7 +1853,7 @@
           <a:p>
             <a:fld id="{B039A892-1411-41F3-BAFD-7FAB748E604C}" type="datetimeFigureOut">
               <a:rPr lang="ko-KR" altLang="en-US" smtClean="0"/>
-              <a:t>2025-05-02</a:t>
+              <a:t>2025-05-16</a:t>
             </a:fld>
             <a:endParaRPr lang="ko-KR" altLang="en-US"/>
           </a:p>
@@ -2129,7 +2130,7 @@
           <a:p>
             <a:fld id="{B039A892-1411-41F3-BAFD-7FAB748E604C}" type="datetimeFigureOut">
               <a:rPr lang="ko-KR" altLang="en-US" smtClean="0"/>
-              <a:t>2025-05-02</a:t>
+              <a:t>2025-05-16</a:t>
             </a:fld>
             <a:endParaRPr lang="ko-KR" altLang="en-US"/>
           </a:p>
@@ -2382,7 +2383,7 @@
           <a:p>
             <a:fld id="{B039A892-1411-41F3-BAFD-7FAB748E604C}" type="datetimeFigureOut">
               <a:rPr lang="ko-KR" altLang="en-US" smtClean="0"/>
-              <a:t>2025-05-02</a:t>
+              <a:t>2025-05-16</a:t>
             </a:fld>
             <a:endParaRPr lang="ko-KR" altLang="en-US"/>
           </a:p>
@@ -2595,7 +2596,7 @@
           <a:p>
             <a:fld id="{B039A892-1411-41F3-BAFD-7FAB748E604C}" type="datetimeFigureOut">
               <a:rPr lang="ko-KR" altLang="en-US" smtClean="0"/>
-              <a:t>2025-05-02</a:t>
+              <a:t>2025-05-16</a:t>
             </a:fld>
             <a:endParaRPr lang="ko-KR" altLang="en-US"/>
           </a:p>
@@ -18345,8 +18346,8 @@
         </p:blipFill>
         <p:spPr>
           <a:xfrm>
-            <a:off x="838200" y="1690688"/>
-            <a:ext cx="4700457" cy="3687428"/>
+            <a:off x="5877128" y="1690688"/>
+            <a:ext cx="2488660" cy="1952311"/>
           </a:xfrm>
           <a:prstGeom prst="rect">
             <a:avLst/>
@@ -18375,7 +18376,7 @@
         </p:blipFill>
         <p:spPr>
           <a:xfrm>
-            <a:off x="6051883" y="1690688"/>
+            <a:off x="838200" y="1690688"/>
             <a:ext cx="4396179" cy="3688069"/>
           </a:xfrm>
           <a:prstGeom prst="rect">
@@ -18383,6 +18384,112 @@
           </a:prstGeom>
         </p:spPr>
       </p:pic>
+      <p:pic>
+        <p:nvPicPr>
+          <p:cNvPr id="5" name="내용 개체 틀 3"/>
+          <p:cNvPicPr>
+            <a:picLocks noChangeAspect="1"/>
+          </p:cNvPicPr>
+          <p:nvPr/>
+        </p:nvPicPr>
+        <p:blipFill>
+          <a:blip r:embed="rId2"/>
+          <a:stretch>
+            <a:fillRect/>
+          </a:stretch>
+        </p:blipFill>
+        <p:spPr>
+          <a:xfrm>
+            <a:off x="5877128" y="3762679"/>
+            <a:ext cx="2488660" cy="1952311"/>
+          </a:xfrm>
+          <a:prstGeom prst="rect">
+            <a:avLst/>
+          </a:prstGeom>
+        </p:spPr>
+      </p:pic>
+      <p:pic>
+        <p:nvPicPr>
+          <p:cNvPr id="6" name="내용 개체 틀 3"/>
+          <p:cNvPicPr>
+            <a:picLocks noChangeAspect="1"/>
+          </p:cNvPicPr>
+          <p:nvPr/>
+        </p:nvPicPr>
+        <p:blipFill>
+          <a:blip r:embed="rId2"/>
+          <a:stretch>
+            <a:fillRect/>
+          </a:stretch>
+        </p:blipFill>
+        <p:spPr>
+          <a:xfrm>
+            <a:off x="8474414" y="1690688"/>
+            <a:ext cx="2488660" cy="1952311"/>
+          </a:xfrm>
+          <a:prstGeom prst="rect">
+            <a:avLst/>
+          </a:prstGeom>
+        </p:spPr>
+      </p:pic>
+      <p:pic>
+        <p:nvPicPr>
+          <p:cNvPr id="7" name="내용 개체 틀 3"/>
+          <p:cNvPicPr>
+            <a:picLocks noChangeAspect="1"/>
+          </p:cNvPicPr>
+          <p:nvPr/>
+        </p:nvPicPr>
+        <p:blipFill>
+          <a:blip r:embed="rId2"/>
+          <a:stretch>
+            <a:fillRect/>
+          </a:stretch>
+        </p:blipFill>
+        <p:spPr>
+          <a:xfrm>
+            <a:off x="8474414" y="3762678"/>
+            <a:ext cx="2488660" cy="1952311"/>
+          </a:xfrm>
+          <a:prstGeom prst="rect">
+            <a:avLst/>
+          </a:prstGeom>
+        </p:spPr>
+      </p:pic>
+      <p:sp>
+        <p:nvSpPr>
+          <p:cNvPr id="8" name="TextBox 7"/>
+          <p:cNvSpPr txBox="1"/>
+          <p:nvPr/>
+        </p:nvSpPr>
+        <p:spPr>
+          <a:xfrm>
+            <a:off x="7295745" y="5943600"/>
+            <a:ext cx="2607012" cy="369332"/>
+          </a:xfrm>
+          <a:prstGeom prst="rect">
+            <a:avLst/>
+          </a:prstGeom>
+          <a:noFill/>
+        </p:spPr>
+        <p:txBody>
+          <a:bodyPr wrap="square" rtlCol="0">
+            <a:spAutoFit/>
+          </a:bodyPr>
+          <a:lstStyle/>
+          <a:p>
+            <a:r>
+              <a:rPr lang="en-US" altLang="ko-KR" dirty="0" smtClean="0"/>
+              <a:t>DTS </a:t>
+            </a:r>
+            <a:r>
+              <a:rPr lang="ko-KR" altLang="en-US" dirty="0" smtClean="0"/>
+              <a:t>수준의 모니터링</a:t>
+            </a:r>
+            <a:endParaRPr lang="ko-KR" altLang="en-US" dirty="0"/>
+          </a:p>
+        </p:txBody>
+      </p:sp>
     </p:spTree>
     <p:extLst>
       <p:ext uri="{BB962C8B-B14F-4D97-AF65-F5344CB8AC3E}">
@@ -21960,6 +22067,268 @@
           </p:spPr>
         </p:pic>
       </p:grpSp>
+      <p:sp>
+        <p:nvSpPr>
+          <p:cNvPr id="26" name="TextBox 408"/>
+          <p:cNvSpPr txBox="1">
+            <a:spLocks noChangeArrowheads="1"/>
+          </p:cNvSpPr>
+          <p:nvPr/>
+        </p:nvSpPr>
+        <p:spPr bwMode="auto">
+          <a:xfrm>
+            <a:off x="10400528" y="1949911"/>
+            <a:ext cx="749905" cy="236406"/>
+          </a:xfrm>
+          <a:prstGeom prst="rect">
+            <a:avLst/>
+          </a:prstGeom>
+          <a:solidFill>
+            <a:srgbClr val="FF0000"/>
+          </a:solidFill>
+          <a:ln w="9525">
+            <a:solidFill>
+              <a:srgbClr val="000000"/>
+            </a:solidFill>
+            <a:miter lim="800000"/>
+            <a:headEnd/>
+            <a:tailEnd/>
+          </a:ln>
+          <a:scene3d>
+            <a:camera prst="orthographicFront"/>
+            <a:lightRig rig="threePt" dir="t"/>
+          </a:scene3d>
+          <a:sp3d>
+            <a:bevelT/>
+          </a:sp3d>
+        </p:spPr>
+        <p:txBody>
+          <a:bodyPr wrap="square" lIns="0" tIns="0" rIns="0" bIns="36000" anchor="ctr">
+            <a:spAutoFit/>
+          </a:bodyPr>
+          <a:lstStyle>
+            <a:lvl1pPr marL="0" indent="0">
+              <a:defRPr sz="1100">
+                <a:latin typeface="+mn-lt"/>
+                <a:ea typeface="+mn-ea"/>
+                <a:cs typeface="+mn-cs"/>
+              </a:defRPr>
+            </a:lvl1pPr>
+            <a:lvl2pPr marL="457200" indent="0">
+              <a:defRPr sz="1100">
+                <a:latin typeface="+mn-lt"/>
+                <a:ea typeface="+mn-ea"/>
+                <a:cs typeface="+mn-cs"/>
+              </a:defRPr>
+            </a:lvl2pPr>
+            <a:lvl3pPr marL="914400" indent="0">
+              <a:defRPr sz="1100">
+                <a:latin typeface="+mn-lt"/>
+                <a:ea typeface="+mn-ea"/>
+                <a:cs typeface="+mn-cs"/>
+              </a:defRPr>
+            </a:lvl3pPr>
+            <a:lvl4pPr marL="1371600" indent="0">
+              <a:defRPr sz="1100">
+                <a:latin typeface="+mn-lt"/>
+                <a:ea typeface="+mn-ea"/>
+                <a:cs typeface="+mn-cs"/>
+              </a:defRPr>
+            </a:lvl4pPr>
+            <a:lvl5pPr marL="1828800" indent="0">
+              <a:defRPr sz="1100">
+                <a:latin typeface="+mn-lt"/>
+                <a:ea typeface="+mn-ea"/>
+                <a:cs typeface="+mn-cs"/>
+              </a:defRPr>
+            </a:lvl5pPr>
+            <a:lvl6pPr marL="2286000" indent="0">
+              <a:defRPr sz="1100">
+                <a:latin typeface="+mn-lt"/>
+                <a:ea typeface="+mn-ea"/>
+                <a:cs typeface="+mn-cs"/>
+              </a:defRPr>
+            </a:lvl6pPr>
+            <a:lvl7pPr marL="2743200" indent="0">
+              <a:defRPr sz="1100">
+                <a:latin typeface="+mn-lt"/>
+                <a:ea typeface="+mn-ea"/>
+                <a:cs typeface="+mn-cs"/>
+              </a:defRPr>
+            </a:lvl7pPr>
+            <a:lvl8pPr marL="3200400" indent="0">
+              <a:defRPr sz="1100">
+                <a:latin typeface="+mn-lt"/>
+                <a:ea typeface="+mn-ea"/>
+                <a:cs typeface="+mn-cs"/>
+              </a:defRPr>
+            </a:lvl8pPr>
+            <a:lvl9pPr marL="3657600" indent="0">
+              <a:defRPr sz="1100">
+                <a:latin typeface="+mn-lt"/>
+                <a:ea typeface="+mn-ea"/>
+                <a:cs typeface="+mn-cs"/>
+              </a:defRPr>
+            </a:lvl9pPr>
+          </a:lstStyle>
+          <a:p>
+            <a:pPr algn="ctr" eaLnBrk="1" hangingPunct="1">
+              <a:lnSpc>
+                <a:spcPct val="130000"/>
+              </a:lnSpc>
+              <a:defRPr/>
+            </a:pPr>
+            <a:r>
+              <a:rPr lang="en-US" altLang="ko-KR" sz="1000" b="1" dirty="0" err="1" smtClean="0">
+                <a:solidFill>
+                  <a:schemeClr val="bg1"/>
+                </a:solidFill>
+                <a:latin typeface="굴림" pitchFamily="50" charset="-127"/>
+                <a:ea typeface="굴림" pitchFamily="50" charset="-127"/>
+              </a:rPr>
+              <a:t>CamMaster</a:t>
+            </a:r>
+            <a:endParaRPr lang="ko-KR" altLang="en-US" sz="1000" b="1" dirty="0">
+              <a:solidFill>
+                <a:schemeClr val="bg1"/>
+              </a:solidFill>
+              <a:latin typeface="굴림" pitchFamily="50" charset="-127"/>
+              <a:ea typeface="굴림" pitchFamily="50" charset="-127"/>
+            </a:endParaRPr>
+          </a:p>
+        </p:txBody>
+      </p:sp>
+      <p:sp>
+        <p:nvSpPr>
+          <p:cNvPr id="27" name="TextBox 408"/>
+          <p:cNvSpPr txBox="1">
+            <a:spLocks noChangeArrowheads="1"/>
+          </p:cNvSpPr>
+          <p:nvPr/>
+        </p:nvSpPr>
+        <p:spPr bwMode="auto">
+          <a:xfrm>
+            <a:off x="10400528" y="2244980"/>
+            <a:ext cx="749905" cy="236406"/>
+          </a:xfrm>
+          <a:prstGeom prst="rect">
+            <a:avLst/>
+          </a:prstGeom>
+          <a:solidFill>
+            <a:srgbClr val="FF0000"/>
+          </a:solidFill>
+          <a:ln w="9525">
+            <a:solidFill>
+              <a:srgbClr val="000000"/>
+            </a:solidFill>
+            <a:miter lim="800000"/>
+            <a:headEnd/>
+            <a:tailEnd/>
+          </a:ln>
+          <a:scene3d>
+            <a:camera prst="orthographicFront"/>
+            <a:lightRig rig="threePt" dir="t"/>
+          </a:scene3d>
+          <a:sp3d>
+            <a:bevelT/>
+          </a:sp3d>
+        </p:spPr>
+        <p:txBody>
+          <a:bodyPr wrap="square" lIns="0" tIns="0" rIns="0" bIns="36000" anchor="ctr">
+            <a:spAutoFit/>
+          </a:bodyPr>
+          <a:lstStyle>
+            <a:lvl1pPr marL="0" indent="0">
+              <a:defRPr sz="1100">
+                <a:latin typeface="+mn-lt"/>
+                <a:ea typeface="+mn-ea"/>
+                <a:cs typeface="+mn-cs"/>
+              </a:defRPr>
+            </a:lvl1pPr>
+            <a:lvl2pPr marL="457200" indent="0">
+              <a:defRPr sz="1100">
+                <a:latin typeface="+mn-lt"/>
+                <a:ea typeface="+mn-ea"/>
+                <a:cs typeface="+mn-cs"/>
+              </a:defRPr>
+            </a:lvl2pPr>
+            <a:lvl3pPr marL="914400" indent="0">
+              <a:defRPr sz="1100">
+                <a:latin typeface="+mn-lt"/>
+                <a:ea typeface="+mn-ea"/>
+                <a:cs typeface="+mn-cs"/>
+              </a:defRPr>
+            </a:lvl3pPr>
+            <a:lvl4pPr marL="1371600" indent="0">
+              <a:defRPr sz="1100">
+                <a:latin typeface="+mn-lt"/>
+                <a:ea typeface="+mn-ea"/>
+                <a:cs typeface="+mn-cs"/>
+              </a:defRPr>
+            </a:lvl4pPr>
+            <a:lvl5pPr marL="1828800" indent="0">
+              <a:defRPr sz="1100">
+                <a:latin typeface="+mn-lt"/>
+                <a:ea typeface="+mn-ea"/>
+                <a:cs typeface="+mn-cs"/>
+              </a:defRPr>
+            </a:lvl5pPr>
+            <a:lvl6pPr marL="2286000" indent="0">
+              <a:defRPr sz="1100">
+                <a:latin typeface="+mn-lt"/>
+                <a:ea typeface="+mn-ea"/>
+                <a:cs typeface="+mn-cs"/>
+              </a:defRPr>
+            </a:lvl6pPr>
+            <a:lvl7pPr marL="2743200" indent="0">
+              <a:defRPr sz="1100">
+                <a:latin typeface="+mn-lt"/>
+                <a:ea typeface="+mn-ea"/>
+                <a:cs typeface="+mn-cs"/>
+              </a:defRPr>
+            </a:lvl7pPr>
+            <a:lvl8pPr marL="3200400" indent="0">
+              <a:defRPr sz="1100">
+                <a:latin typeface="+mn-lt"/>
+                <a:ea typeface="+mn-ea"/>
+                <a:cs typeface="+mn-cs"/>
+              </a:defRPr>
+            </a:lvl8pPr>
+            <a:lvl9pPr marL="3657600" indent="0">
+              <a:defRPr sz="1100">
+                <a:latin typeface="+mn-lt"/>
+                <a:ea typeface="+mn-ea"/>
+                <a:cs typeface="+mn-cs"/>
+              </a:defRPr>
+            </a:lvl9pPr>
+          </a:lstStyle>
+          <a:p>
+            <a:pPr algn="ctr" eaLnBrk="1" hangingPunct="1">
+              <a:lnSpc>
+                <a:spcPct val="130000"/>
+              </a:lnSpc>
+              <a:defRPr/>
+            </a:pPr>
+            <a:r>
+              <a:rPr lang="en-US" altLang="ko-KR" sz="1000" b="1" dirty="0" smtClean="0">
+                <a:solidFill>
+                  <a:schemeClr val="bg1"/>
+                </a:solidFill>
+                <a:latin typeface="굴림" pitchFamily="50" charset="-127"/>
+                <a:ea typeface="굴림" pitchFamily="50" charset="-127"/>
+              </a:rPr>
+              <a:t>DTS</a:t>
+            </a:r>
+            <a:endParaRPr lang="ko-KR" altLang="en-US" sz="1000" b="1" dirty="0">
+              <a:solidFill>
+                <a:schemeClr val="bg1"/>
+              </a:solidFill>
+              <a:latin typeface="굴림" pitchFamily="50" charset="-127"/>
+              <a:ea typeface="굴림" pitchFamily="50" charset="-127"/>
+            </a:endParaRPr>
+          </a:p>
+        </p:txBody>
+      </p:sp>
     </p:spTree>
     <p:extLst>
       <p:ext uri="{BB962C8B-B14F-4D97-AF65-F5344CB8AC3E}">
@@ -24787,6 +25156,144 @@
 </p:sld>
 </file>
 
+<file path=ppt/slides/slide33.xml><?xml version="1.0" encoding="utf-8"?>
+<p:sld xmlns:a="http://schemas.openxmlformats.org/drawingml/2006/main" xmlns:r="http://schemas.openxmlformats.org/officeDocument/2006/relationships" xmlns:p="http://schemas.openxmlformats.org/presentationml/2006/main">
+  <p:cSld>
+    <p:spTree>
+      <p:nvGrpSpPr>
+        <p:cNvPr id="1" name=""/>
+        <p:cNvGrpSpPr/>
+        <p:nvPr/>
+      </p:nvGrpSpPr>
+      <p:grpSpPr>
+        <a:xfrm>
+          <a:off x="0" y="0"/>
+          <a:ext cx="0" cy="0"/>
+          <a:chOff x="0" y="0"/>
+          <a:chExt cx="0" cy="0"/>
+        </a:xfrm>
+      </p:grpSpPr>
+      <p:sp>
+        <p:nvSpPr>
+          <p:cNvPr id="2" name="제목 1"/>
+          <p:cNvSpPr>
+            <a:spLocks noGrp="1"/>
+          </p:cNvSpPr>
+          <p:nvPr>
+            <p:ph type="title"/>
+          </p:nvPr>
+        </p:nvSpPr>
+        <p:spPr/>
+        <p:txBody>
+          <a:bodyPr/>
+          <a:lstStyle/>
+          <a:p>
+            <a:r>
+              <a:rPr lang="ko-KR" altLang="en-US" dirty="0" smtClean="0"/>
+              <a:t>프로그램 </a:t>
+            </a:r>
+            <a:r>
+              <a:rPr lang="ko-KR" altLang="en-US" dirty="0" err="1" smtClean="0"/>
+              <a:t>모듈화시</a:t>
+            </a:r>
+            <a:r>
+              <a:rPr lang="ko-KR" altLang="en-US" dirty="0" smtClean="0"/>
+              <a:t> 고려사항</a:t>
+            </a:r>
+            <a:endParaRPr lang="ko-KR" altLang="en-US" dirty="0"/>
+          </a:p>
+        </p:txBody>
+      </p:sp>
+      <p:sp>
+        <p:nvSpPr>
+          <p:cNvPr id="3" name="내용 개체 틀 2"/>
+          <p:cNvSpPr>
+            <a:spLocks noGrp="1"/>
+          </p:cNvSpPr>
+          <p:nvPr>
+            <p:ph idx="1"/>
+          </p:nvPr>
+        </p:nvSpPr>
+        <p:spPr/>
+        <p:txBody>
+          <a:bodyPr/>
+          <a:lstStyle/>
+          <a:p>
+            <a:r>
+              <a:rPr lang="en-US" altLang="ko-KR" dirty="0" err="1" smtClean="0"/>
+              <a:t>Componant</a:t>
+            </a:r>
+            <a:r>
+              <a:rPr lang="en-US" altLang="ko-KR" dirty="0" smtClean="0"/>
+              <a:t> </a:t>
+            </a:r>
+            <a:r>
+              <a:rPr lang="ko-KR" altLang="en-US" dirty="0" smtClean="0"/>
+              <a:t>수준의 독립성</a:t>
+            </a:r>
+            <a:endParaRPr lang="en-US" altLang="ko-KR" dirty="0" smtClean="0"/>
+          </a:p>
+          <a:p>
+            <a:pPr lvl="1"/>
+            <a:r>
+              <a:rPr lang="ko-KR" altLang="en-US" dirty="0" err="1"/>
+              <a:t>쓰레드</a:t>
+            </a:r>
+            <a:r>
+              <a:rPr lang="ko-KR" altLang="en-US" dirty="0"/>
+              <a:t> 독립</a:t>
+            </a:r>
+            <a:endParaRPr lang="en-US" altLang="ko-KR" dirty="0"/>
+          </a:p>
+          <a:p>
+            <a:pPr lvl="1"/>
+            <a:r>
+              <a:rPr lang="ko-KR" altLang="en-US" dirty="0"/>
+              <a:t>멀티 객체</a:t>
+            </a:r>
+            <a:endParaRPr lang="en-US" altLang="ko-KR" dirty="0"/>
+          </a:p>
+          <a:p>
+            <a:pPr lvl="1"/>
+            <a:endParaRPr lang="en-US" altLang="ko-KR" dirty="0" smtClean="0"/>
+          </a:p>
+          <a:p>
+            <a:r>
+              <a:rPr lang="ko-KR" altLang="en-US" dirty="0" smtClean="0"/>
+              <a:t>간략한 구조 </a:t>
+            </a:r>
+            <a:r>
+              <a:rPr lang="en-US" altLang="ko-KR" dirty="0" smtClean="0"/>
+              <a:t>(</a:t>
+            </a:r>
+            <a:r>
+              <a:rPr lang="ko-KR" altLang="en-US" dirty="0" smtClean="0"/>
+              <a:t>사용 및 디버깅</a:t>
+            </a:r>
+            <a:r>
+              <a:rPr lang="en-US" altLang="ko-KR" dirty="0" smtClean="0"/>
+              <a:t>)</a:t>
+            </a:r>
+          </a:p>
+          <a:p>
+            <a:pPr lvl="1"/>
+            <a:endParaRPr lang="ko-KR" altLang="en-US" dirty="0"/>
+          </a:p>
+        </p:txBody>
+      </p:sp>
+    </p:spTree>
+    <p:extLst>
+      <p:ext uri="{BB962C8B-B14F-4D97-AF65-F5344CB8AC3E}">
+        <p14:creationId xmlns:p14="http://schemas.microsoft.com/office/powerpoint/2010/main" val="1372088441"/>
+      </p:ext>
+    </p:extLst>
+  </p:cSld>
+  <p:clrMapOvr>
+    <a:masterClrMapping/>
+  </p:clrMapOvr>
+</p:sld>
+</file>
+
 <file path=ppt/slides/slide4.xml><?xml version="1.0" encoding="utf-8"?>
 <p:sld xmlns:a="http://schemas.openxmlformats.org/drawingml/2006/main" xmlns:r="http://schemas.openxmlformats.org/officeDocument/2006/relationships" xmlns:p="http://schemas.openxmlformats.org/presentationml/2006/main">
   <p:cSld>
